--- a/final/Chambers Of Chaos.pptx
+++ b/final/Chambers Of Chaos.pptx
@@ -392,7 +392,7 @@
             <a:fld id="{5B106E36-FD25-4E2D-B0AA-010F637433A0}" type="datetimeFigureOut">
               <a:rPr lang="ru-RU" smtClean="0"/>
               <a:pPr/>
-              <a:t>28.01.2025</a:t>
+              <a:t>05.02.2025</a:t>
             </a:fld>
             <a:endParaRPr lang="ru-RU"/>
           </a:p>
@@ -787,7 +787,7 @@
             <a:fld id="{5B106E36-FD25-4E2D-B0AA-010F637433A0}" type="datetimeFigureOut">
               <a:rPr lang="ru-RU" smtClean="0"/>
               <a:pPr/>
-              <a:t>28.01.2025</a:t>
+              <a:t>05.02.2025</a:t>
             </a:fld>
             <a:endParaRPr lang="ru-RU"/>
           </a:p>
@@ -1322,7 +1322,7 @@
             <a:fld id="{5B106E36-FD25-4E2D-B0AA-010F637433A0}" type="datetimeFigureOut">
               <a:rPr lang="ru-RU" smtClean="0"/>
               <a:pPr/>
-              <a:t>28.01.2025</a:t>
+              <a:t>05.02.2025</a:t>
             </a:fld>
             <a:endParaRPr lang="ru-RU"/>
           </a:p>
@@ -1456,7 +1456,7 @@
             <a:fld id="{5B106E36-FD25-4E2D-B0AA-010F637433A0}" type="datetimeFigureOut">
               <a:rPr lang="ru-RU" smtClean="0"/>
               <a:pPr/>
-              <a:t>28.01.2025</a:t>
+              <a:t>05.02.2025</a:t>
             </a:fld>
             <a:endParaRPr lang="ru-RU"/>
           </a:p>
@@ -2001,7 +2001,7 @@
             <a:fld id="{5B106E36-FD25-4E2D-B0AA-010F637433A0}" type="datetimeFigureOut">
               <a:rPr lang="ru-RU" smtClean="0"/>
               <a:pPr/>
-              <a:t>28.01.2025</a:t>
+              <a:t>05.02.2025</a:t>
             </a:fld>
             <a:endParaRPr lang="ru-RU"/>
           </a:p>
@@ -2298,7 +2298,7 @@
             <a:fld id="{5B106E36-FD25-4E2D-B0AA-010F637433A0}" type="datetimeFigureOut">
               <a:rPr lang="ru-RU" smtClean="0"/>
               <a:pPr/>
-              <a:t>28.01.2025</a:t>
+              <a:t>05.02.2025</a:t>
             </a:fld>
             <a:endParaRPr lang="ru-RU"/>
           </a:p>
@@ -2959,7 +2959,7 @@
             <a:fld id="{5B106E36-FD25-4E2D-B0AA-010F637433A0}" type="datetimeFigureOut">
               <a:rPr lang="ru-RU" smtClean="0"/>
               <a:pPr/>
-              <a:t>28.01.2025</a:t>
+              <a:t>05.02.2025</a:t>
             </a:fld>
             <a:endParaRPr lang="ru-RU"/>
           </a:p>
@@ -3397,7 +3397,7 @@
             <a:fld id="{5B106E36-FD25-4E2D-B0AA-010F637433A0}" type="datetimeFigureOut">
               <a:rPr lang="ru-RU" smtClean="0"/>
               <a:pPr/>
-              <a:t>28.01.2025</a:t>
+              <a:t>05.02.2025</a:t>
             </a:fld>
             <a:endParaRPr lang="ru-RU"/>
           </a:p>
@@ -3712,7 +3712,7 @@
             <a:fld id="{5B106E36-FD25-4E2D-B0AA-010F637433A0}" type="datetimeFigureOut">
               <a:rPr lang="ru-RU" smtClean="0"/>
               <a:pPr/>
-              <a:t>28.01.2025</a:t>
+              <a:t>05.02.2025</a:t>
             </a:fld>
             <a:endParaRPr lang="ru-RU"/>
           </a:p>
@@ -4447,7 +4447,7 @@
             <a:fld id="{5B106E36-FD25-4E2D-B0AA-010F637433A0}" type="datetimeFigureOut">
               <a:rPr lang="ru-RU" smtClean="0"/>
               <a:pPr/>
-              <a:t>28.01.2025</a:t>
+              <a:t>05.02.2025</a:t>
             </a:fld>
             <a:endParaRPr lang="ru-RU"/>
           </a:p>
@@ -5113,7 +5113,7 @@
             <a:fld id="{5B106E36-FD25-4E2D-B0AA-010F637433A0}" type="datetimeFigureOut">
               <a:rPr lang="ru-RU" smtClean="0"/>
               <a:pPr/>
-              <a:t>28.01.2025</a:t>
+              <a:t>05.02.2025</a:t>
             </a:fld>
             <a:endParaRPr lang="ru-RU"/>
           </a:p>
@@ -5387,7 +5387,7 @@
             <a:fld id="{5B106E36-FD25-4E2D-B0AA-010F637433A0}" type="datetimeFigureOut">
               <a:rPr lang="ru-RU" smtClean="0"/>
               <a:pPr/>
-              <a:t>28.01.2025</a:t>
+              <a:t>05.02.2025</a:t>
             </a:fld>
             <a:endParaRPr lang="ru-RU"/>
           </a:p>
@@ -6280,7 +6280,7 @@
           <a:p>
             <a:r>
               <a:rPr lang="ru-RU" dirty="0" smtClean="0"/>
-              <a:t>В проекте присутствуют анимации</a:t>
+              <a:t>Что реализовано: передвижение врагов и героев, все анимации врагов и героев игры, стартовый экран, экран настроек, экран с таблицей лидеров, финальное окно, карты и уровни, подсчет очков, коллизии, разные виды оружия, артефакты реализованы в качестве усилений(урона, скорости, повышение здоровья), два персонажа со своими характеристиками, хранение данных.</a:t>
             </a:r>
             <a:endParaRPr lang="ru-RU" dirty="0"/>
           </a:p>
@@ -6377,6 +6377,12 @@
               <a:rPr lang="ru-RU" dirty="0" smtClean="0"/>
               <a:t>Снаряд</a:t>
             </a:r>
+          </a:p>
+          <a:p>
+            <a:r>
+              <a:rPr lang="ru-RU" dirty="0" smtClean="0"/>
+              <a:t>Экраны(стартовый, настройки, таблица лидеров, финальный)</a:t>
+            </a:r>
             <a:endParaRPr lang="ru-RU" dirty="0"/>
           </a:p>
         </p:txBody>
@@ -6444,7 +6450,11 @@
           <a:bodyPr/>
           <a:lstStyle/>
           <a:p>
-            <a:endParaRPr lang="ru-RU"/>
+            <a:r>
+              <a:rPr lang="ru-RU" dirty="0" smtClean="0"/>
+              <a:t>Работать над проектом было очень интересно, но игру можно развивать и дальше! К примеру, можно было бы добавить новых врагов, уникальные механики для них, новых персонажей и оружия!</a:t>
+            </a:r>
+            <a:endParaRPr lang="ru-RU" dirty="0"/>
           </a:p>
         </p:txBody>
       </p:sp>
